--- a/T2/Documentação e Relatório/Trab2.pptx
+++ b/T2/Documentação e Relatório/Trab2.pptx
@@ -9,8 +9,9 @@
     <p:sldId id="261" r:id="rId3"/>
     <p:sldId id="258" r:id="rId4"/>
     <p:sldId id="259" r:id="rId5"/>
-    <p:sldId id="257" r:id="rId6"/>
+    <p:sldId id="263" r:id="rId6"/>
     <p:sldId id="260" r:id="rId7"/>
+    <p:sldId id="262" r:id="rId8"/>
   </p:sldIdLst>
   <p:sldSz cx="9144000" cy="6858000" type="screen4x3"/>
   <p:notesSz cx="6858000" cy="9144000"/>
@@ -3365,14 +3366,7 @@
                 <a:latin typeface="Times New Roman"/>
                 <a:cs typeface="Times New Roman"/>
               </a:rPr>
-              <a:t>INTRODU</a:t>
-            </a:r>
-            <a:r>
-              <a:rPr lang="en-US" b="1" smtClean="0">
-                <a:latin typeface="Times New Roman"/>
-                <a:cs typeface="Times New Roman"/>
-              </a:rPr>
-              <a:t>ÇÃO</a:t>
+              <a:t>INTRODUÇÃO</a:t>
             </a:r>
             <a:endParaRPr lang="en-US" b="1" dirty="0">
               <a:latin typeface="Times New Roman"/>
@@ -3391,6 +3385,13 @@
   <p:clrMapOvr>
     <a:masterClrMapping/>
   </p:clrMapOvr>
+  <p:timing>
+    <p:tnLst>
+      <p:par>
+        <p:cTn xmlns:p14="http://schemas.microsoft.com/office/powerpoint/2010/main" id="1" dur="indefinite" restart="never" nodeType="tmRoot"/>
+      </p:par>
+    </p:tnLst>
+  </p:timing>
 </p:sld>
 </file>
 
@@ -3516,14 +3517,7 @@
                 <a:latin typeface="Times New Roman"/>
                 <a:cs typeface="Times New Roman"/>
               </a:rPr>
-              <a:t>TOMADA DE DECIS</a:t>
-            </a:r>
-            <a:r>
-              <a:rPr lang="en-US" b="1" dirty="0" smtClean="0">
-                <a:latin typeface="Times New Roman"/>
-                <a:cs typeface="Times New Roman"/>
-              </a:rPr>
-              <a:t>ÕES</a:t>
+              <a:t>TOMADA DE DECISÕES</a:t>
             </a:r>
             <a:endParaRPr lang="en-US" b="1" dirty="0">
               <a:latin typeface="Times New Roman"/>
@@ -3598,26 +3592,19 @@
             <p:ph type="title"/>
           </p:nvPr>
         </p:nvSpPr>
-        <p:spPr>
-          <a:xfrm>
-            <a:off x="457200" y="154236"/>
-            <a:ext cx="8229600" cy="1143000"/>
-          </a:xfrm>
-        </p:spPr>
-        <p:txBody>
-          <a:bodyPr>
-            <a:normAutofit/>
-          </a:bodyPr>
-          <a:lstStyle/>
-          <a:p>
-            <a:r>
-              <a:rPr lang="en-US" sz="4200" b="1" dirty="0" smtClean="0">
+        <p:spPr/>
+        <p:txBody>
+          <a:bodyPr/>
+          <a:lstStyle/>
+          <a:p>
+            <a:r>
+              <a:rPr lang="en-US" b="1" dirty="0" smtClean="0">
                 <a:latin typeface="Times New Roman"/>
                 <a:cs typeface="Times New Roman"/>
               </a:rPr>
               <a:t>INTERFACE</a:t>
             </a:r>
-            <a:endParaRPr lang="en-US" sz="4200" b="1" dirty="0">
+            <a:endParaRPr lang="en-US" b="1" dirty="0">
               <a:latin typeface="Times New Roman"/>
               <a:cs typeface="Times New Roman"/>
             </a:endParaRPr>
@@ -3646,7 +3633,7 @@
         </p:blipFill>
         <p:spPr>
           <a:xfrm>
-            <a:off x="1367281" y="1225279"/>
+            <a:off x="1367281" y="1266697"/>
             <a:ext cx="6409439" cy="5411826"/>
           </a:xfrm>
           <a:prstGeom prst="rect">
@@ -3667,13 +3654,20 @@
     </p:spTree>
     <p:extLst>
       <p:ext uri="{BB962C8B-B14F-4D97-AF65-F5344CB8AC3E}">
-        <p14:creationId xmlns:p14="http://schemas.microsoft.com/office/powerpoint/2010/main" val="3944421884"/>
+        <p14:creationId xmlns:p14="http://schemas.microsoft.com/office/powerpoint/2010/main" val="1495437162"/>
       </p:ext>
     </p:extLst>
   </p:cSld>
   <p:clrMapOvr>
     <a:masterClrMapping/>
   </p:clrMapOvr>
+  <p:timing>
+    <p:tnLst>
+      <p:par>
+        <p:cTn xmlns:p14="http://schemas.microsoft.com/office/powerpoint/2010/main" id="1" dur="indefinite" restart="never" nodeType="tmRoot"/>
+      </p:par>
+    </p:tnLst>
+  </p:timing>
 </p:sld>
 </file>
 
@@ -3709,7 +3703,7 @@
           <a:bodyPr/>
           <a:lstStyle/>
           <a:p>
-            <a:endParaRPr lang="en-US"/>
+            <a:endParaRPr lang="en-US" dirty="0"/>
           </a:p>
         </p:txBody>
       </p:sp>
@@ -3733,14 +3727,7 @@
                 <a:latin typeface="Times New Roman"/>
                 <a:cs typeface="Times New Roman"/>
               </a:rPr>
-              <a:t>CONCLUS</a:t>
-            </a:r>
-            <a:r>
-              <a:rPr lang="en-US" b="1" dirty="0" smtClean="0">
-                <a:latin typeface="Times New Roman"/>
-                <a:cs typeface="Times New Roman"/>
-              </a:rPr>
-              <a:t>ÃO</a:t>
+              <a:t>CONCLUSÃO</a:t>
             </a:r>
             <a:endParaRPr lang="en-US" b="1" dirty="0">
               <a:latin typeface="Times New Roman"/>
@@ -3759,6 +3746,224 @@
   <p:clrMapOvr>
     <a:masterClrMapping/>
   </p:clrMapOvr>
+  <p:timing>
+    <p:tnLst>
+      <p:par>
+        <p:cTn xmlns:p14="http://schemas.microsoft.com/office/powerpoint/2010/main" id="1" dur="indefinite" restart="never" nodeType="tmRoot"/>
+      </p:par>
+    </p:tnLst>
+  </p:timing>
+</p:sld>
+</file>
+
+<file path=ppt/slides/slide7.xml><?xml version="1.0" encoding="utf-8"?>
+<p:sld xmlns:a="http://schemas.openxmlformats.org/drawingml/2006/main" xmlns:r="http://schemas.openxmlformats.org/officeDocument/2006/relationships" xmlns:p="http://schemas.openxmlformats.org/presentationml/2006/main">
+  <p:cSld>
+    <p:spTree>
+      <p:nvGrpSpPr>
+        <p:cNvPr id="1" name=""/>
+        <p:cNvGrpSpPr/>
+        <p:nvPr/>
+      </p:nvGrpSpPr>
+      <p:grpSpPr>
+        <a:xfrm>
+          <a:off x="0" y="0"/>
+          <a:ext cx="0" cy="0"/>
+          <a:chOff x="0" y="0"/>
+          <a:chExt cx="0" cy="0"/>
+        </a:xfrm>
+      </p:grpSpPr>
+      <p:pic>
+        <p:nvPicPr>
+          <p:cNvPr id="5" name="video-1510780665.mp4">
+            <a:hlinkClick r:id="" action="ppaction://media"/>
+          </p:cNvPr>
+          <p:cNvPicPr>
+            <a:picLocks noChangeAspect="1"/>
+          </p:cNvPicPr>
+          <p:nvPr>
+            <a:videoFile r:link="rId2"/>
+            <p:extLst>
+              <p:ext uri="{DAA4B4D4-6D71-4841-9C94-3DE7FCFB9230}">
+                <p14:media xmlns:p14="http://schemas.microsoft.com/office/powerpoint/2010/main" r:embed="rId1"/>
+              </p:ext>
+            </p:extLst>
+          </p:nvPr>
+        </p:nvPicPr>
+        <p:blipFill>
+          <a:blip r:embed="rId4"/>
+          <a:stretch>
+            <a:fillRect/>
+          </a:stretch>
+        </p:blipFill>
+        <p:spPr>
+          <a:xfrm>
+            <a:off x="1524000" y="952500"/>
+            <a:ext cx="6096000" cy="4953000"/>
+          </a:xfrm>
+          <a:prstGeom prst="rect">
+            <a:avLst/>
+          </a:prstGeom>
+          <a:ln>
+            <a:noFill/>
+          </a:ln>
+          <a:effectLst>
+            <a:outerShdw blurRad="190500" algn="tl" rotWithShape="0">
+              <a:srgbClr val="000000">
+                <a:alpha val="70000"/>
+              </a:srgbClr>
+            </a:outerShdw>
+          </a:effectLst>
+        </p:spPr>
+      </p:pic>
+    </p:spTree>
+    <p:extLst>
+      <p:ext uri="{BB962C8B-B14F-4D97-AF65-F5344CB8AC3E}">
+        <p14:creationId xmlns:p14="http://schemas.microsoft.com/office/powerpoint/2010/main" val="525438760"/>
+      </p:ext>
+    </p:extLst>
+  </p:cSld>
+  <p:clrMapOvr>
+    <a:masterClrMapping/>
+  </p:clrMapOvr>
+  <p:timing>
+    <p:tnLst>
+      <p:par>
+        <p:cTn xmlns:p14="http://schemas.microsoft.com/office/powerpoint/2010/main" id="1" dur="indefinite" restart="never" nodeType="tmRoot">
+          <p:childTnLst>
+            <p:seq concurrent="1" nextAc="seek">
+              <p:cTn id="2" dur="indefinite" nodeType="mainSeq">
+                <p:childTnLst>
+                  <p:par>
+                    <p:cTn id="3" fill="hold">
+                      <p:stCondLst>
+                        <p:cond delay="indefinite"/>
+                        <p:cond evt="onBegin" delay="0">
+                          <p:tn val="2"/>
+                        </p:cond>
+                      </p:stCondLst>
+                      <p:childTnLst>
+                        <p:par>
+                          <p:cTn id="4" fill="hold">
+                            <p:stCondLst>
+                              <p:cond delay="0"/>
+                            </p:stCondLst>
+                            <p:childTnLst>
+                              <p:par>
+                                <p:cTn id="5" presetID="1" presetClass="mediacall" presetSubtype="0" fill="hold" nodeType="afterEffect">
+                                  <p:stCondLst>
+                                    <p:cond delay="0"/>
+                                  </p:stCondLst>
+                                  <p:childTnLst>
+                                    <p:cmd type="call" cmd="playFrom(0.0)">
+                                      <p:cBhvr>
+                                        <p:cTn id="6" dur="2600" fill="hold"/>
+                                        <p:tgtEl>
+                                          <p:spTgt spid="5"/>
+                                        </p:tgtEl>
+                                      </p:cBhvr>
+                                    </p:cmd>
+                                  </p:childTnLst>
+                                </p:cTn>
+                              </p:par>
+                            </p:childTnLst>
+                          </p:cTn>
+                        </p:par>
+                      </p:childTnLst>
+                    </p:cTn>
+                  </p:par>
+                </p:childTnLst>
+              </p:cTn>
+              <p:prevCondLst>
+                <p:cond evt="onPrev" delay="0">
+                  <p:tgtEl>
+                    <p:sldTgt/>
+                  </p:tgtEl>
+                </p:cond>
+              </p:prevCondLst>
+              <p:nextCondLst>
+                <p:cond evt="onNext" delay="0">
+                  <p:tgtEl>
+                    <p:sldTgt/>
+                  </p:tgtEl>
+                </p:cond>
+              </p:nextCondLst>
+            </p:seq>
+            <p:video>
+              <p:cMediaNode vol="80000">
+                <p:cTn id="7" repeatCount="indefinite" fill="hold" display="0">
+                  <p:stCondLst>
+                    <p:cond delay="indefinite"/>
+                  </p:stCondLst>
+                </p:cTn>
+                <p:tgtEl>
+                  <p:spTgt spid="5"/>
+                </p:tgtEl>
+              </p:cMediaNode>
+            </p:video>
+            <p:seq concurrent="1" nextAc="seek">
+              <p:cTn id="8" restart="whenNotActive" fill="hold" evtFilter="cancelBubble" nodeType="interactiveSeq">
+                <p:stCondLst>
+                  <p:cond evt="onClick" delay="0">
+                    <p:tgtEl>
+                      <p:spTgt spid="5"/>
+                    </p:tgtEl>
+                  </p:cond>
+                </p:stCondLst>
+                <p:endSync evt="end" delay="0">
+                  <p:rtn val="all"/>
+                </p:endSync>
+                <p:childTnLst>
+                  <p:par>
+                    <p:cTn id="9" fill="hold">
+                      <p:stCondLst>
+                        <p:cond delay="0"/>
+                      </p:stCondLst>
+                      <p:childTnLst>
+                        <p:par>
+                          <p:cTn id="10" fill="hold">
+                            <p:stCondLst>
+                              <p:cond delay="0"/>
+                            </p:stCondLst>
+                            <p:childTnLst>
+                              <p:par>
+                                <p:cTn id="11" presetID="2" presetClass="mediacall" presetSubtype="0" fill="hold" nodeType="clickEffect">
+                                  <p:stCondLst>
+                                    <p:cond delay="0"/>
+                                  </p:stCondLst>
+                                  <p:childTnLst>
+                                    <p:cmd type="call" cmd="togglePause">
+                                      <p:cBhvr>
+                                        <p:cTn id="12" dur="1" fill="hold"/>
+                                        <p:tgtEl>
+                                          <p:spTgt spid="5"/>
+                                        </p:tgtEl>
+                                      </p:cBhvr>
+                                    </p:cmd>
+                                  </p:childTnLst>
+                                </p:cTn>
+                              </p:par>
+                            </p:childTnLst>
+                          </p:cTn>
+                        </p:par>
+                      </p:childTnLst>
+                    </p:cTn>
+                  </p:par>
+                </p:childTnLst>
+              </p:cTn>
+              <p:nextCondLst>
+                <p:cond evt="onClick" delay="0">
+                  <p:tgtEl>
+                    <p:spTgt spid="5"/>
+                  </p:tgtEl>
+                </p:cond>
+              </p:nextCondLst>
+            </p:seq>
+          </p:childTnLst>
+        </p:cTn>
+      </p:par>
+    </p:tnLst>
+  </p:timing>
 </p:sld>
 </file>
 

--- a/T2/Documentação e Relatório/Trab2.pptx
+++ b/T2/Documentação e Relatório/Trab2.pptx
@@ -8,10 +8,11 @@
     <p:sldId id="256" r:id="rId2"/>
     <p:sldId id="261" r:id="rId3"/>
     <p:sldId id="258" r:id="rId4"/>
-    <p:sldId id="259" r:id="rId5"/>
-    <p:sldId id="263" r:id="rId6"/>
-    <p:sldId id="260" r:id="rId7"/>
-    <p:sldId id="262" r:id="rId8"/>
+    <p:sldId id="264" r:id="rId5"/>
+    <p:sldId id="259" r:id="rId6"/>
+    <p:sldId id="263" r:id="rId7"/>
+    <p:sldId id="260" r:id="rId8"/>
+    <p:sldId id="262" r:id="rId9"/>
   </p:sldIdLst>
   <p:sldSz cx="9144000" cy="6858000" type="screen4x3"/>
   <p:notesSz cx="6858000" cy="9144000"/>
@@ -294,7 +295,7 @@
           <a:p>
             <a:fld id="{7E50BBB4-4575-4E4D-8221-9A2511CDDC17}" type="datetimeFigureOut">
               <a:rPr lang="en-US" smtClean="0"/>
-              <a:t>11/15/17</a:t>
+              <a:t>11/18/17</a:t>
             </a:fld>
             <a:endParaRPr lang="en-US"/>
           </a:p>
@@ -464,7 +465,7 @@
           <a:p>
             <a:fld id="{7E50BBB4-4575-4E4D-8221-9A2511CDDC17}" type="datetimeFigureOut">
               <a:rPr lang="en-US" smtClean="0"/>
-              <a:t>11/15/17</a:t>
+              <a:t>11/18/17</a:t>
             </a:fld>
             <a:endParaRPr lang="en-US"/>
           </a:p>
@@ -644,7 +645,7 @@
           <a:p>
             <a:fld id="{7E50BBB4-4575-4E4D-8221-9A2511CDDC17}" type="datetimeFigureOut">
               <a:rPr lang="en-US" smtClean="0"/>
-              <a:t>11/15/17</a:t>
+              <a:t>11/18/17</a:t>
             </a:fld>
             <a:endParaRPr lang="en-US"/>
           </a:p>
@@ -814,7 +815,7 @@
           <a:p>
             <a:fld id="{7E50BBB4-4575-4E4D-8221-9A2511CDDC17}" type="datetimeFigureOut">
               <a:rPr lang="en-US" smtClean="0"/>
-              <a:t>11/15/17</a:t>
+              <a:t>11/18/17</a:t>
             </a:fld>
             <a:endParaRPr lang="en-US"/>
           </a:p>
@@ -1060,7 +1061,7 @@
           <a:p>
             <a:fld id="{7E50BBB4-4575-4E4D-8221-9A2511CDDC17}" type="datetimeFigureOut">
               <a:rPr lang="en-US" smtClean="0"/>
-              <a:t>11/15/17</a:t>
+              <a:t>11/18/17</a:t>
             </a:fld>
             <a:endParaRPr lang="en-US"/>
           </a:p>
@@ -1348,7 +1349,7 @@
           <a:p>
             <a:fld id="{7E50BBB4-4575-4E4D-8221-9A2511CDDC17}" type="datetimeFigureOut">
               <a:rPr lang="en-US" smtClean="0"/>
-              <a:t>11/15/17</a:t>
+              <a:t>11/18/17</a:t>
             </a:fld>
             <a:endParaRPr lang="en-US"/>
           </a:p>
@@ -1770,7 +1771,7 @@
           <a:p>
             <a:fld id="{7E50BBB4-4575-4E4D-8221-9A2511CDDC17}" type="datetimeFigureOut">
               <a:rPr lang="en-US" smtClean="0"/>
-              <a:t>11/15/17</a:t>
+              <a:t>11/18/17</a:t>
             </a:fld>
             <a:endParaRPr lang="en-US"/>
           </a:p>
@@ -1888,7 +1889,7 @@
           <a:p>
             <a:fld id="{7E50BBB4-4575-4E4D-8221-9A2511CDDC17}" type="datetimeFigureOut">
               <a:rPr lang="en-US" smtClean="0"/>
-              <a:t>11/15/17</a:t>
+              <a:t>11/18/17</a:t>
             </a:fld>
             <a:endParaRPr lang="en-US"/>
           </a:p>
@@ -1983,7 +1984,7 @@
           <a:p>
             <a:fld id="{7E50BBB4-4575-4E4D-8221-9A2511CDDC17}" type="datetimeFigureOut">
               <a:rPr lang="en-US" smtClean="0"/>
-              <a:t>11/15/17</a:t>
+              <a:t>11/18/17</a:t>
             </a:fld>
             <a:endParaRPr lang="en-US"/>
           </a:p>
@@ -2260,7 +2261,7 @@
           <a:p>
             <a:fld id="{7E50BBB4-4575-4E4D-8221-9A2511CDDC17}" type="datetimeFigureOut">
               <a:rPr lang="en-US" smtClean="0"/>
-              <a:t>11/15/17</a:t>
+              <a:t>11/18/17</a:t>
             </a:fld>
             <a:endParaRPr lang="en-US"/>
           </a:p>
@@ -2513,7 +2514,7 @@
           <a:p>
             <a:fld id="{7E50BBB4-4575-4E4D-8221-9A2511CDDC17}" type="datetimeFigureOut">
               <a:rPr lang="en-US" smtClean="0"/>
-              <a:t>11/15/17</a:t>
+              <a:t>11/18/17</a:t>
             </a:fld>
             <a:endParaRPr lang="en-US"/>
           </a:p>
@@ -2726,7 +2727,7 @@
           <a:p>
             <a:fld id="{7E50BBB4-4575-4E4D-8221-9A2511CDDC17}" type="datetimeFigureOut">
               <a:rPr lang="en-US" smtClean="0"/>
-              <a:t>11/15/17</a:t>
+              <a:t>11/18/17</a:t>
             </a:fld>
             <a:endParaRPr lang="en-US"/>
           </a:p>
@@ -3339,10 +3340,172 @@
         </p:nvSpPr>
         <p:spPr/>
         <p:txBody>
-          <a:bodyPr/>
-          <a:lstStyle/>
-          <a:p>
-            <a:endParaRPr lang="en-US"/>
+          <a:bodyPr>
+            <a:normAutofit lnSpcReduction="10000"/>
+          </a:bodyPr>
+          <a:lstStyle/>
+          <a:p>
+            <a:r>
+              <a:rPr lang="en-US" b="1" dirty="0" err="1">
+                <a:latin typeface="Times New Roman"/>
+                <a:cs typeface="Times New Roman"/>
+              </a:rPr>
+              <a:t>Módulos</a:t>
+            </a:r>
+            <a:r>
+              <a:rPr lang="en-US" b="1" dirty="0">
+                <a:latin typeface="Times New Roman"/>
+                <a:cs typeface="Times New Roman"/>
+              </a:rPr>
+              <a:t> -</a:t>
+            </a:r>
+            <a:r>
+              <a:rPr lang="en-US" b="1" dirty="0" smtClean="0">
+                <a:latin typeface="Times New Roman"/>
+                <a:cs typeface="Times New Roman"/>
+              </a:rPr>
+              <a:t> </a:t>
+            </a:r>
+            <a:r>
+              <a:rPr lang="en-US" b="1" dirty="0">
+                <a:latin typeface="Times New Roman"/>
+                <a:cs typeface="Times New Roman"/>
+              </a:rPr>
+              <a:t>Prolog:</a:t>
+            </a:r>
+          </a:p>
+          <a:p>
+            <a:pPr lvl="1"/>
+            <a:r>
+              <a:rPr lang="en-US" dirty="0">
+                <a:latin typeface="Times New Roman"/>
+                <a:cs typeface="Times New Roman"/>
+              </a:rPr>
+              <a:t>Run</a:t>
+            </a:r>
+          </a:p>
+          <a:p>
+            <a:pPr lvl="1"/>
+            <a:r>
+              <a:rPr lang="en-US" dirty="0">
+                <a:latin typeface="Times New Roman"/>
+                <a:cs typeface="Times New Roman"/>
+              </a:rPr>
+              <a:t>Main</a:t>
+            </a:r>
+          </a:p>
+          <a:p>
+            <a:pPr lvl="1"/>
+            <a:r>
+              <a:rPr lang="en-US" dirty="0">
+                <a:latin typeface="Times New Roman"/>
+                <a:cs typeface="Times New Roman"/>
+              </a:rPr>
+              <a:t>Percepts </a:t>
+            </a:r>
+          </a:p>
+          <a:p>
+            <a:pPr lvl="1"/>
+            <a:r>
+              <a:rPr lang="en-US" dirty="0">
+                <a:latin typeface="Times New Roman"/>
+                <a:cs typeface="Times New Roman"/>
+              </a:rPr>
+              <a:t>Actions </a:t>
+            </a:r>
+            <a:endParaRPr lang="en-US" dirty="0" smtClean="0">
+              <a:latin typeface="Times New Roman"/>
+              <a:cs typeface="Times New Roman"/>
+            </a:endParaRPr>
+          </a:p>
+          <a:p>
+            <a:pPr marL="457200" lvl="1" indent="0">
+              <a:buNone/>
+            </a:pPr>
+            <a:endParaRPr lang="en-US" dirty="0">
+              <a:latin typeface="Times New Roman"/>
+              <a:cs typeface="Times New Roman"/>
+            </a:endParaRPr>
+          </a:p>
+          <a:p>
+            <a:r>
+              <a:rPr lang="en-US" b="1" dirty="0" err="1" smtClean="0">
+                <a:latin typeface="Times New Roman"/>
+                <a:cs typeface="Times New Roman"/>
+              </a:rPr>
+              <a:t>M</a:t>
+            </a:r>
+            <a:r>
+              <a:rPr lang="en-US" b="1" dirty="0" err="1" smtClean="0">
+                <a:latin typeface="Times New Roman"/>
+                <a:cs typeface="Times New Roman"/>
+              </a:rPr>
+              <a:t>ódulos</a:t>
+            </a:r>
+            <a:r>
+              <a:rPr lang="en-US" b="1" dirty="0">
+                <a:latin typeface="Times New Roman"/>
+                <a:cs typeface="Times New Roman"/>
+              </a:rPr>
+              <a:t> </a:t>
+            </a:r>
+            <a:r>
+              <a:rPr lang="en-US" b="1" dirty="0" smtClean="0">
+                <a:latin typeface="Times New Roman"/>
+                <a:cs typeface="Times New Roman"/>
+              </a:rPr>
+              <a:t>- Python</a:t>
+            </a:r>
+            <a:endParaRPr lang="en-US" b="1" dirty="0" smtClean="0">
+              <a:latin typeface="Times New Roman"/>
+              <a:cs typeface="Times New Roman"/>
+            </a:endParaRPr>
+          </a:p>
+          <a:p>
+            <a:pPr lvl="1"/>
+            <a:r>
+              <a:rPr lang="en-US" dirty="0" err="1" smtClean="0">
+                <a:latin typeface="Times New Roman"/>
+                <a:cs typeface="Times New Roman"/>
+              </a:rPr>
+              <a:t>Wumpus</a:t>
+            </a:r>
+            <a:endParaRPr lang="en-US" dirty="0" smtClean="0">
+              <a:latin typeface="Times New Roman"/>
+              <a:cs typeface="Times New Roman"/>
+            </a:endParaRPr>
+          </a:p>
+          <a:p>
+            <a:pPr lvl="1"/>
+            <a:r>
+              <a:rPr lang="en-US" dirty="0" smtClean="0">
+                <a:latin typeface="Times New Roman"/>
+                <a:cs typeface="Times New Roman"/>
+              </a:rPr>
+              <a:t>View</a:t>
+            </a:r>
+            <a:endParaRPr lang="en-US" dirty="0">
+              <a:latin typeface="Times New Roman"/>
+              <a:cs typeface="Times New Roman"/>
+            </a:endParaRPr>
+          </a:p>
+          <a:p>
+            <a:pPr marL="0" indent="0">
+              <a:buNone/>
+            </a:pPr>
+            <a:endParaRPr lang="en-US" dirty="0">
+              <a:latin typeface="Times New Roman"/>
+              <a:cs typeface="Times New Roman"/>
+            </a:endParaRPr>
+          </a:p>
+          <a:p>
+            <a:pPr marL="457200" lvl="1" indent="0">
+              <a:buNone/>
+            </a:pPr>
+            <a:endParaRPr lang="en-US" dirty="0">
+              <a:latin typeface="Times New Roman"/>
+              <a:cs typeface="Times New Roman"/>
+            </a:endParaRPr>
           </a:p>
         </p:txBody>
       </p:sp>
@@ -3375,6 +3538,65 @@
           </a:p>
         </p:txBody>
       </p:sp>
+      <p:pic>
+        <p:nvPicPr>
+          <p:cNvPr id="2" name="Picture 1" descr="6884283.png"/>
+          <p:cNvPicPr>
+            <a:picLocks noChangeAspect="1"/>
+          </p:cNvPicPr>
+          <p:nvPr/>
+        </p:nvPicPr>
+        <p:blipFill>
+          <a:blip r:embed="rId2">
+            <a:extLst>
+              <a:ext uri="{28A0092B-C50C-407E-A947-70E740481C1C}">
+                <a14:useLocalDpi xmlns:a14="http://schemas.microsoft.com/office/drawing/2010/main" val="0"/>
+              </a:ext>
+            </a:extLst>
+          </a:blip>
+          <a:stretch>
+            <a:fillRect/>
+          </a:stretch>
+        </p:blipFill>
+        <p:spPr>
+          <a:xfrm>
+            <a:off x="4537276" y="1719268"/>
+            <a:ext cx="1000473" cy="1000473"/>
+          </a:xfrm>
+          <a:prstGeom prst="rect">
+            <a:avLst/>
+          </a:prstGeom>
+        </p:spPr>
+      </p:pic>
+      <p:pic>
+        <p:nvPicPr>
+          <p:cNvPr id="5" name="Picture 4" descr="python-7be70baaac.png"/>
+          <p:cNvPicPr>
+            <a:picLocks noChangeAspect="1"/>
+          </p:cNvPicPr>
+          <p:nvPr/>
+        </p:nvPicPr>
+        <p:blipFill rotWithShape="1">
+          <a:blip r:embed="rId3">
+            <a:extLst>
+              <a:ext uri="{28A0092B-C50C-407E-A947-70E740481C1C}">
+                <a14:useLocalDpi xmlns:a14="http://schemas.microsoft.com/office/drawing/2010/main" val="0"/>
+              </a:ext>
+            </a:extLst>
+          </a:blip>
+          <a:srcRect l="16961" t="16747" r="17248" b="14426"/>
+          <a:stretch/>
+        </p:blipFill>
+        <p:spPr>
+          <a:xfrm>
+            <a:off x="4444678" y="4458444"/>
+            <a:ext cx="1239318" cy="1296522"/>
+          </a:xfrm>
+          <a:prstGeom prst="rect">
+            <a:avLst/>
+          </a:prstGeom>
+        </p:spPr>
+      </p:pic>
     </p:spTree>
     <p:extLst>
       <p:ext uri="{BB962C8B-B14F-4D97-AF65-F5344CB8AC3E}">
@@ -3412,6 +3634,37 @@
           <a:chExt cx="0" cy="0"/>
         </a:xfrm>
       </p:grpSpPr>
+      <p:pic>
+        <p:nvPicPr>
+          <p:cNvPr id="4" name="Picture 3" descr="base-de-dados-imagem3.jpg"/>
+          <p:cNvPicPr>
+            <a:picLocks noChangeAspect="1"/>
+          </p:cNvPicPr>
+          <p:nvPr/>
+        </p:nvPicPr>
+        <p:blipFill>
+          <a:blip r:embed="rId2">
+            <a:alphaModFix amt="14000"/>
+            <a:extLst>
+              <a:ext uri="{28A0092B-C50C-407E-A947-70E740481C1C}">
+                <a14:useLocalDpi xmlns:a14="http://schemas.microsoft.com/office/drawing/2010/main" val="0"/>
+              </a:ext>
+            </a:extLst>
+          </a:blip>
+          <a:stretch>
+            <a:fillRect/>
+          </a:stretch>
+        </p:blipFill>
+        <p:spPr>
+          <a:xfrm>
+            <a:off x="635000" y="914411"/>
+            <a:ext cx="7874000" cy="5016500"/>
+          </a:xfrm>
+          <a:prstGeom prst="rect">
+            <a:avLst/>
+          </a:prstGeom>
+        </p:spPr>
+      </p:pic>
       <p:sp>
         <p:nvSpPr>
           <p:cNvPr id="2" name="Title 1"/>
@@ -3453,10 +3706,97 @@
         </p:nvSpPr>
         <p:spPr/>
         <p:txBody>
-          <a:bodyPr/>
-          <a:lstStyle/>
-          <a:p>
-            <a:endParaRPr lang="en-US"/>
+          <a:bodyPr>
+            <a:normAutofit/>
+          </a:bodyPr>
+          <a:lstStyle/>
+          <a:p>
+            <a:r>
+              <a:rPr lang="pt-BR" dirty="0" smtClean="0">
+                <a:latin typeface="Times New Roman"/>
+                <a:cs typeface="Times New Roman"/>
+              </a:rPr>
+              <a:t>Informações iniciais na base de conhecimentos:</a:t>
+            </a:r>
+          </a:p>
+          <a:p>
+            <a:pPr lvl="1"/>
+            <a:r>
+              <a:rPr lang="pt-BR" dirty="0">
+                <a:latin typeface="Times New Roman"/>
+                <a:cs typeface="Times New Roman"/>
+              </a:rPr>
+              <a:t> </a:t>
+            </a:r>
+            <a:r>
+              <a:rPr lang="pt-BR" dirty="0" smtClean="0">
+                <a:latin typeface="Times New Roman"/>
+                <a:cs typeface="Times New Roman"/>
+              </a:rPr>
+              <a:t>Localiza</a:t>
+            </a:r>
+            <a:r>
+              <a:rPr lang="pt-BR" dirty="0" smtClean="0">
+                <a:latin typeface="Times New Roman"/>
+                <a:cs typeface="Times New Roman"/>
+              </a:rPr>
+              <a:t>ções sorteadas de buracos, monstros e ouros</a:t>
+            </a:r>
+          </a:p>
+          <a:p>
+            <a:pPr lvl="1"/>
+            <a:r>
+              <a:rPr lang="pt-BR" dirty="0">
+                <a:latin typeface="Times New Roman"/>
+                <a:cs typeface="Times New Roman"/>
+              </a:rPr>
+              <a:t>Localização inicial do </a:t>
+            </a:r>
+            <a:r>
+              <a:rPr lang="pt-BR" dirty="0" smtClean="0">
+                <a:latin typeface="Times New Roman"/>
+                <a:cs typeface="Times New Roman"/>
+              </a:rPr>
+              <a:t>agente</a:t>
+            </a:r>
+            <a:endParaRPr lang="pt-BR" dirty="0" smtClean="0">
+              <a:latin typeface="Times New Roman"/>
+              <a:cs typeface="Times New Roman"/>
+            </a:endParaRPr>
+          </a:p>
+          <a:p>
+            <a:pPr lvl="1"/>
+            <a:r>
+              <a:rPr lang="pt-BR" dirty="0" smtClean="0">
+                <a:latin typeface="Times New Roman"/>
+                <a:cs typeface="Times New Roman"/>
+              </a:rPr>
+              <a:t>Energia</a:t>
+            </a:r>
+          </a:p>
+          <a:p>
+            <a:pPr lvl="1"/>
+            <a:r>
+              <a:rPr lang="pt-BR" dirty="0" smtClean="0">
+                <a:latin typeface="Times New Roman"/>
+                <a:cs typeface="Times New Roman"/>
+              </a:rPr>
+              <a:t>Pontuação</a:t>
+            </a:r>
+          </a:p>
+          <a:p>
+            <a:pPr lvl="1"/>
+            <a:r>
+              <a:rPr lang="pt-BR" dirty="0" smtClean="0">
+                <a:latin typeface="Times New Roman"/>
+                <a:cs typeface="Times New Roman"/>
+              </a:rPr>
+              <a:t>Munição </a:t>
+            </a:r>
+            <a:endParaRPr lang="pt-BR" dirty="0" smtClean="0">
+              <a:latin typeface="Times New Roman"/>
+              <a:cs typeface="Times New Roman"/>
+            </a:endParaRPr>
           </a:p>
         </p:txBody>
       </p:sp>
@@ -3499,7 +3839,143 @@
       </p:grpSpPr>
       <p:sp>
         <p:nvSpPr>
-          <p:cNvPr id="2" name="Title 1"/>
+          <p:cNvPr id="3" name="Content Placeholder 2"/>
+          <p:cNvSpPr>
+            <a:spLocks noGrp="1"/>
+          </p:cNvSpPr>
+          <p:nvPr>
+            <p:ph idx="1"/>
+          </p:nvPr>
+        </p:nvSpPr>
+        <p:spPr/>
+        <p:txBody>
+          <a:bodyPr/>
+          <a:lstStyle/>
+          <a:p>
+            <a:r>
+              <a:rPr lang="pt-BR" dirty="0" smtClean="0">
+                <a:latin typeface="Times New Roman"/>
+                <a:cs typeface="Times New Roman"/>
+              </a:rPr>
+              <a:t>Funç</a:t>
+            </a:r>
+            <a:r>
+              <a:rPr lang="pt-BR" dirty="0" smtClean="0">
+                <a:latin typeface="Times New Roman"/>
+                <a:cs typeface="Times New Roman"/>
+              </a:rPr>
+              <a:t>ões</a:t>
+            </a:r>
+            <a:r>
+              <a:rPr lang="pt-BR" dirty="0" smtClean="0">
+                <a:latin typeface="Times New Roman"/>
+                <a:cs typeface="Times New Roman"/>
+              </a:rPr>
+              <a:t> </a:t>
+            </a:r>
+            <a:r>
+              <a:rPr lang="pt-BR" dirty="0">
+                <a:latin typeface="Times New Roman"/>
+                <a:cs typeface="Times New Roman"/>
+              </a:rPr>
+              <a:t>auxiliares para ajudar na atualização das inferências</a:t>
+            </a:r>
+            <a:r>
+              <a:rPr lang="pt-BR" dirty="0" smtClean="0">
+                <a:latin typeface="Times New Roman"/>
+                <a:cs typeface="Times New Roman"/>
+              </a:rPr>
+              <a:t>:</a:t>
+            </a:r>
+          </a:p>
+          <a:p>
+            <a:pPr lvl="1"/>
+            <a:r>
+              <a:rPr lang="pt-BR" dirty="0" err="1" smtClean="0">
+                <a:latin typeface="Times New Roman"/>
+                <a:cs typeface="Times New Roman"/>
+              </a:rPr>
+              <a:t>check_surrounding_current_position</a:t>
+            </a:r>
+            <a:endParaRPr lang="pt-BR" dirty="0">
+              <a:latin typeface="Times New Roman"/>
+              <a:cs typeface="Times New Roman"/>
+            </a:endParaRPr>
+          </a:p>
+          <a:p>
+            <a:pPr lvl="1"/>
+            <a:r>
+              <a:rPr lang="pt-BR" dirty="0" err="1" smtClean="0">
+                <a:latin typeface="Times New Roman"/>
+                <a:cs typeface="Times New Roman"/>
+              </a:rPr>
+              <a:t>update_our_dangerous_inferences</a:t>
+            </a:r>
+          </a:p>
+          <a:p>
+            <a:pPr lvl="1"/>
+            <a:r>
+              <a:rPr lang="pt-BR" dirty="0" err="1" smtClean="0">
+                <a:latin typeface="Times New Roman"/>
+                <a:cs typeface="Times New Roman"/>
+              </a:rPr>
+              <a:t>sixth_sense</a:t>
+            </a:r>
+            <a:endParaRPr lang="pt-BR" dirty="0" smtClean="0">
+              <a:latin typeface="Times New Roman"/>
+              <a:cs typeface="Times New Roman"/>
+            </a:endParaRPr>
+          </a:p>
+          <a:p>
+            <a:pPr lvl="1"/>
+            <a:r>
+              <a:rPr lang="pt-BR" dirty="0" err="1" smtClean="0">
+                <a:latin typeface="Times New Roman"/>
+                <a:cs typeface="Times New Roman"/>
+              </a:rPr>
+              <a:t>check_noises</a:t>
+            </a:r>
+            <a:endParaRPr lang="pt-BR" dirty="0">
+              <a:latin typeface="Times New Roman"/>
+              <a:cs typeface="Times New Roman"/>
+            </a:endParaRPr>
+          </a:p>
+          <a:p>
+            <a:pPr lvl="1"/>
+            <a:r>
+              <a:rPr lang="pt-BR" dirty="0" err="1" smtClean="0">
+                <a:latin typeface="Times New Roman"/>
+                <a:cs typeface="Times New Roman"/>
+              </a:rPr>
+              <a:t>check_stench</a:t>
+            </a:r>
+            <a:endParaRPr lang="pt-BR" dirty="0" smtClean="0">
+              <a:latin typeface="Times New Roman"/>
+              <a:cs typeface="Times New Roman"/>
+            </a:endParaRPr>
+          </a:p>
+          <a:p>
+            <a:pPr lvl="1"/>
+            <a:r>
+              <a:rPr lang="pt-BR" dirty="0" err="1" smtClean="0">
+                <a:latin typeface="Times New Roman"/>
+                <a:cs typeface="Times New Roman"/>
+              </a:rPr>
+              <a:t>check_hole</a:t>
+            </a:r>
+            <a:endParaRPr lang="pt-BR" dirty="0">
+              <a:latin typeface="Times New Roman"/>
+              <a:cs typeface="Times New Roman"/>
+            </a:endParaRPr>
+          </a:p>
+          <a:p>
+            <a:endParaRPr lang="en-US" dirty="0"/>
+          </a:p>
+        </p:txBody>
+      </p:sp>
+      <p:sp>
+        <p:nvSpPr>
+          <p:cNvPr id="4" name="Title 1"/>
           <p:cNvSpPr>
             <a:spLocks noGrp="1"/>
           </p:cNvSpPr>
@@ -3517,7 +3993,7 @@
                 <a:latin typeface="Times New Roman"/>
                 <a:cs typeface="Times New Roman"/>
               </a:rPr>
-              <a:t>TOMADA DE DECISÕES</a:t>
+              <a:t>BASE DE DADOS</a:t>
             </a:r>
             <a:endParaRPr lang="en-US" b="1" dirty="0">
               <a:latin typeface="Times New Roman"/>
@@ -3526,6 +4002,103 @@
           </a:p>
         </p:txBody>
       </p:sp>
+      <p:pic>
+        <p:nvPicPr>
+          <p:cNvPr id="5" name="Picture 4" descr="base-de-dados-imagem3.jpg"/>
+          <p:cNvPicPr>
+            <a:picLocks noChangeAspect="1"/>
+          </p:cNvPicPr>
+          <p:nvPr/>
+        </p:nvPicPr>
+        <p:blipFill>
+          <a:blip r:embed="rId2">
+            <a:alphaModFix amt="14000"/>
+            <a:extLst>
+              <a:ext uri="{28A0092B-C50C-407E-A947-70E740481C1C}">
+                <a14:useLocalDpi xmlns:a14="http://schemas.microsoft.com/office/drawing/2010/main" val="0"/>
+              </a:ext>
+            </a:extLst>
+          </a:blip>
+          <a:stretch>
+            <a:fillRect/>
+          </a:stretch>
+        </p:blipFill>
+        <p:spPr>
+          <a:xfrm>
+            <a:off x="635000" y="914411"/>
+            <a:ext cx="7874000" cy="5016500"/>
+          </a:xfrm>
+          <a:prstGeom prst="rect">
+            <a:avLst/>
+          </a:prstGeom>
+        </p:spPr>
+      </p:pic>
+    </p:spTree>
+    <p:extLst>
+      <p:ext uri="{BB962C8B-B14F-4D97-AF65-F5344CB8AC3E}">
+        <p14:creationId xmlns:p14="http://schemas.microsoft.com/office/powerpoint/2010/main" val="2528314121"/>
+      </p:ext>
+    </p:extLst>
+  </p:cSld>
+  <p:clrMapOvr>
+    <a:masterClrMapping/>
+  </p:clrMapOvr>
+  <p:timing>
+    <p:tnLst>
+      <p:par>
+        <p:cTn xmlns:p14="http://schemas.microsoft.com/office/powerpoint/2010/main" id="1" dur="indefinite" restart="never" nodeType="tmRoot"/>
+      </p:par>
+    </p:tnLst>
+  </p:timing>
+</p:sld>
+</file>
+
+<file path=ppt/slides/slide5.xml><?xml version="1.0" encoding="utf-8"?>
+<p:sld xmlns:a="http://schemas.openxmlformats.org/drawingml/2006/main" xmlns:r="http://schemas.openxmlformats.org/officeDocument/2006/relationships" xmlns:p="http://schemas.openxmlformats.org/presentationml/2006/main">
+  <p:cSld>
+    <p:spTree>
+      <p:nvGrpSpPr>
+        <p:cNvPr id="1" name=""/>
+        <p:cNvGrpSpPr/>
+        <p:nvPr/>
+      </p:nvGrpSpPr>
+      <p:grpSpPr>
+        <a:xfrm>
+          <a:off x="0" y="0"/>
+          <a:ext cx="0" cy="0"/>
+          <a:chOff x="0" y="0"/>
+          <a:chExt cx="0" cy="0"/>
+        </a:xfrm>
+      </p:grpSpPr>
+      <p:sp>
+        <p:nvSpPr>
+          <p:cNvPr id="2" name="Title 1"/>
+          <p:cNvSpPr>
+            <a:spLocks noGrp="1"/>
+          </p:cNvSpPr>
+          <p:nvPr>
+            <p:ph type="title"/>
+          </p:nvPr>
+        </p:nvSpPr>
+        <p:spPr/>
+        <p:txBody>
+          <a:bodyPr/>
+          <a:lstStyle/>
+          <a:p>
+            <a:r>
+              <a:rPr lang="en-US" b="1" dirty="0" smtClean="0">
+                <a:latin typeface="Times New Roman"/>
+                <a:cs typeface="Times New Roman"/>
+              </a:rPr>
+              <a:t>TOMADA DE DECISÕES</a:t>
+            </a:r>
+            <a:endParaRPr lang="en-US" b="1" dirty="0">
+              <a:latin typeface="Times New Roman"/>
+              <a:cs typeface="Times New Roman"/>
+            </a:endParaRPr>
+          </a:p>
+        </p:txBody>
+      </p:sp>
       <p:sp>
         <p:nvSpPr>
           <p:cNvPr id="3" name="Content Placeholder 2"/>
@@ -3541,10 +4114,133 @@
           <a:bodyPr/>
           <a:lstStyle/>
           <a:p>
-            <a:endParaRPr lang="en-US"/>
-          </a:p>
-        </p:txBody>
-      </p:sp>
+            <a:r>
+              <a:rPr lang="en-US" dirty="0" err="1" smtClean="0">
+                <a:latin typeface="Times New Roman"/>
+                <a:cs typeface="Times New Roman"/>
+              </a:rPr>
+              <a:t>Funções</a:t>
+            </a:r>
+            <a:r>
+              <a:rPr lang="en-US" dirty="0" smtClean="0">
+                <a:latin typeface="Times New Roman"/>
+                <a:cs typeface="Times New Roman"/>
+              </a:rPr>
+              <a:t> </a:t>
+            </a:r>
+            <a:r>
+              <a:rPr lang="en-US" dirty="0" err="1">
+                <a:latin typeface="Times New Roman"/>
+                <a:cs typeface="Times New Roman"/>
+              </a:rPr>
+              <a:t>auxiliares</a:t>
+            </a:r>
+            <a:r>
+              <a:rPr lang="en-US" dirty="0">
+                <a:latin typeface="Times New Roman"/>
+                <a:cs typeface="Times New Roman"/>
+              </a:rPr>
+              <a:t> </a:t>
+            </a:r>
+            <a:r>
+              <a:rPr lang="en-US" dirty="0" smtClean="0">
+                <a:latin typeface="Times New Roman"/>
+                <a:cs typeface="Times New Roman"/>
+              </a:rPr>
+              <a:t>:</a:t>
+            </a:r>
+          </a:p>
+          <a:p>
+            <a:pPr lvl="1"/>
+            <a:r>
+              <a:rPr lang="en-US" dirty="0">
+                <a:latin typeface="Times New Roman"/>
+                <a:cs typeface="Times New Roman"/>
+              </a:rPr>
+              <a:t> </a:t>
+            </a:r>
+          </a:p>
+          <a:p>
+            <a:endParaRPr lang="en-US" dirty="0">
+              <a:latin typeface="Times New Roman"/>
+              <a:cs typeface="Times New Roman"/>
+            </a:endParaRPr>
+          </a:p>
+          <a:p>
+            <a:r>
+              <a:rPr lang="en-US" dirty="0" err="1" smtClean="0">
+                <a:latin typeface="Times New Roman"/>
+                <a:cs typeface="Times New Roman"/>
+              </a:rPr>
+              <a:t>Casos</a:t>
+            </a:r>
+            <a:r>
+              <a:rPr lang="en-US" dirty="0" smtClean="0">
+                <a:latin typeface="Times New Roman"/>
+                <a:cs typeface="Times New Roman"/>
+              </a:rPr>
+              <a:t>:</a:t>
+            </a:r>
+          </a:p>
+          <a:p>
+            <a:pPr lvl="1"/>
+            <a:r>
+              <a:rPr lang="en-US" dirty="0">
+                <a:latin typeface="Times New Roman"/>
+                <a:cs typeface="Times New Roman"/>
+              </a:rPr>
+              <a:t> </a:t>
+            </a:r>
+          </a:p>
+          <a:p>
+            <a:pPr marL="0" indent="0">
+              <a:buNone/>
+            </a:pPr>
+            <a:r>
+              <a:rPr lang="en-US" dirty="0" smtClean="0">
+                <a:latin typeface="Times New Roman"/>
+                <a:cs typeface="Times New Roman"/>
+              </a:rPr>
+              <a:t> </a:t>
+            </a:r>
+            <a:endParaRPr lang="en-US" dirty="0">
+              <a:latin typeface="Times New Roman"/>
+              <a:cs typeface="Times New Roman"/>
+            </a:endParaRPr>
+          </a:p>
+        </p:txBody>
+      </p:sp>
+      <p:pic>
+        <p:nvPicPr>
+          <p:cNvPr id="4" name="Picture 3" descr="ID-100279444-e1413157492231.jpg"/>
+          <p:cNvPicPr>
+            <a:picLocks noChangeAspect="1"/>
+          </p:cNvPicPr>
+          <p:nvPr/>
+        </p:nvPicPr>
+        <p:blipFill>
+          <a:blip r:embed="rId2">
+            <a:alphaModFix amt="69000"/>
+            <a:extLst>
+              <a:ext uri="{28A0092B-C50C-407E-A947-70E740481C1C}">
+                <a14:useLocalDpi xmlns:a14="http://schemas.microsoft.com/office/drawing/2010/main" val="0"/>
+              </a:ext>
+            </a:extLst>
+          </a:blip>
+          <a:stretch>
+            <a:fillRect/>
+          </a:stretch>
+        </p:blipFill>
+        <p:spPr>
+          <a:xfrm>
+            <a:off x="5852382" y="1785932"/>
+            <a:ext cx="3048000" cy="3048000"/>
+          </a:xfrm>
+          <a:prstGeom prst="rect">
+            <a:avLst/>
+          </a:prstGeom>
+        </p:spPr>
+      </p:pic>
     </p:spTree>
     <p:extLst>
       <p:ext uri="{BB962C8B-B14F-4D97-AF65-F5344CB8AC3E}">
@@ -3565,7 +4261,7 @@
 </p:sld>
 </file>
 
-<file path=ppt/slides/slide5.xml><?xml version="1.0" encoding="utf-8"?>
+<file path=ppt/slides/slide6.xml><?xml version="1.0" encoding="utf-8"?>
 <p:sld xmlns:a="http://schemas.openxmlformats.org/drawingml/2006/main" xmlns:r="http://schemas.openxmlformats.org/officeDocument/2006/relationships" xmlns:p="http://schemas.openxmlformats.org/presentationml/2006/main">
   <p:cSld>
     <p:spTree>
@@ -3671,7 +4367,7 @@
 </p:sld>
 </file>
 
-<file path=ppt/slides/slide6.xml><?xml version="1.0" encoding="utf-8"?>
+<file path=ppt/slides/slide7.xml><?xml version="1.0" encoding="utf-8"?>
 <p:sld xmlns:a="http://schemas.openxmlformats.org/drawingml/2006/main" xmlns:r="http://schemas.openxmlformats.org/officeDocument/2006/relationships" xmlns:p="http://schemas.openxmlformats.org/presentationml/2006/main">
   <p:cSld>
     <p:spTree>
@@ -3703,7 +4399,17 @@
           <a:bodyPr/>
           <a:lstStyle/>
           <a:p>
-            <a:endParaRPr lang="en-US" dirty="0"/>
+            <a:r>
+              <a:rPr lang="en-US" smtClean="0">
+                <a:latin typeface="Times New Roman"/>
+                <a:cs typeface="Times New Roman"/>
+              </a:rPr>
+              <a:t>? </a:t>
+            </a:r>
+            <a:endParaRPr lang="en-US" dirty="0">
+              <a:latin typeface="Times New Roman"/>
+              <a:cs typeface="Times New Roman"/>
+            </a:endParaRPr>
           </a:p>
         </p:txBody>
       </p:sp>
@@ -3736,6 +4442,36 @@
           </a:p>
         </p:txBody>
       </p:sp>
+      <p:pic>
+        <p:nvPicPr>
+          <p:cNvPr id="5" name="Picture 4" descr="Conclusão-redação-dissertativa.jpg"/>
+          <p:cNvPicPr>
+            <a:picLocks noChangeAspect="1"/>
+          </p:cNvPicPr>
+          <p:nvPr/>
+        </p:nvPicPr>
+        <p:blipFill rotWithShape="1">
+          <a:blip r:embed="rId2">
+            <a:alphaModFix/>
+            <a:extLst>
+              <a:ext uri="{28A0092B-C50C-407E-A947-70E740481C1C}">
+                <a14:useLocalDpi xmlns:a14="http://schemas.microsoft.com/office/drawing/2010/main" val="0"/>
+              </a:ext>
+            </a:extLst>
+          </a:blip>
+          <a:srcRect l="29981" t="346" r="29368" b="15651"/>
+          <a:stretch/>
+        </p:blipFill>
+        <p:spPr>
+          <a:xfrm>
+            <a:off x="4987034" y="1910797"/>
+            <a:ext cx="3293825" cy="3083151"/>
+          </a:xfrm>
+          <a:prstGeom prst="rect">
+            <a:avLst/>
+          </a:prstGeom>
+        </p:spPr>
+      </p:pic>
     </p:spTree>
     <p:extLst>
       <p:ext uri="{BB962C8B-B14F-4D97-AF65-F5344CB8AC3E}">
@@ -3756,7 +4492,7 @@
 </p:sld>
 </file>
 
-<file path=ppt/slides/slide7.xml><?xml version="1.0" encoding="utf-8"?>
+<file path=ppt/slides/slide8.xml><?xml version="1.0" encoding="utf-8"?>
 <p:sld xmlns:a="http://schemas.openxmlformats.org/drawingml/2006/main" xmlns:r="http://schemas.openxmlformats.org/officeDocument/2006/relationships" xmlns:p="http://schemas.openxmlformats.org/presentationml/2006/main">
   <p:cSld>
     <p:spTree>
